--- a/Präsentation.pptx
+++ b/Präsentation.pptx
@@ -4,6 +4,9 @@
   <p:sldMasterIdLst>
     <p:sldMasterId id="2147483648" r:id="rId1"/>
   </p:sldMasterIdLst>
+  <p:notesMasterIdLst>
+    <p:notesMasterId r:id="rId14"/>
+  </p:notesMasterIdLst>
   <p:sldIdLst>
     <p:sldId id="273" r:id="rId2"/>
     <p:sldId id="264" r:id="rId3"/>
@@ -126,7 +129,7 @@
 <file path=ppt/revisionInfo.xml><?xml version="1.0" encoding="utf-8"?>
 <p1510:revInfo xmlns:a="http://schemas.openxmlformats.org/drawingml/2006/main" xmlns:r="http://schemas.openxmlformats.org/officeDocument/2006/relationships" xmlns:p1510="http://schemas.microsoft.com/office/powerpoint/2015/10/main">
   <p1510:revLst>
-    <p1510:client id="{40B67838-B665-4354-965F-B11E20DAFF66}" v="67" dt="2024-09-23T09:44:50.460"/>
+    <p1510:client id="{916B9FE7-9C87-4465-A521-AB8C2817CD52}" v="503" dt="2024-10-09T14:46:45.121"/>
   </p1510:revLst>
 </p1510:revInfo>
 </file>
@@ -1478,7 +1481,1018 @@
       </pc:sldChg>
     </pc:docChg>
   </pc:docChgLst>
+  <pc:docChgLst>
+    <pc:chgData name="Lewin,Mona M.S." userId="5f72fa05-3db1-46fc-bfb2-653107d28e67" providerId="ADAL" clId="{916B9FE7-9C87-4465-A521-AB8C2817CD52}"/>
+    <pc:docChg chg="undo redo custSel modSld">
+      <pc:chgData name="Lewin,Mona M.S." userId="5f72fa05-3db1-46fc-bfb2-653107d28e67" providerId="ADAL" clId="{916B9FE7-9C87-4465-A521-AB8C2817CD52}" dt="2024-10-09T14:47:53.072" v="678" actId="1076"/>
+      <pc:docMkLst>
+        <pc:docMk/>
+      </pc:docMkLst>
+      <pc:sldChg chg="addSp modSp mod modNotesTx">
+        <pc:chgData name="Lewin,Mona M.S." userId="5f72fa05-3db1-46fc-bfb2-653107d28e67" providerId="ADAL" clId="{916B9FE7-9C87-4465-A521-AB8C2817CD52}" dt="2024-10-09T14:36:24.420" v="645" actId="20577"/>
+        <pc:sldMkLst>
+          <pc:docMk/>
+          <pc:sldMk cId="1047140850" sldId="262"/>
+        </pc:sldMkLst>
+        <pc:spChg chg="mod">
+          <ac:chgData name="Lewin,Mona M.S." userId="5f72fa05-3db1-46fc-bfb2-653107d28e67" providerId="ADAL" clId="{916B9FE7-9C87-4465-A521-AB8C2817CD52}" dt="2024-10-09T14:06:40.238" v="136" actId="20577"/>
+          <ac:spMkLst>
+            <pc:docMk/>
+            <pc:sldMk cId="1047140850" sldId="262"/>
+            <ac:spMk id="2" creationId="{C7EDC19B-E15F-E262-B7A3-BDFF9F175854}"/>
+          </ac:spMkLst>
+        </pc:spChg>
+        <pc:spChg chg="add mod">
+          <ac:chgData name="Lewin,Mona M.S." userId="5f72fa05-3db1-46fc-bfb2-653107d28e67" providerId="ADAL" clId="{916B9FE7-9C87-4465-A521-AB8C2817CD52}" dt="2024-10-09T14:01:27.474" v="86" actId="1076"/>
+          <ac:spMkLst>
+            <pc:docMk/>
+            <pc:sldMk cId="1047140850" sldId="262"/>
+            <ac:spMk id="3" creationId="{EB800C55-36D6-66CA-1D23-5A03C5BB5A7B}"/>
+          </ac:spMkLst>
+        </pc:spChg>
+        <pc:picChg chg="mod">
+          <ac:chgData name="Lewin,Mona M.S." userId="5f72fa05-3db1-46fc-bfb2-653107d28e67" providerId="ADAL" clId="{916B9FE7-9C87-4465-A521-AB8C2817CD52}" dt="2024-10-09T14:08:05.812" v="138" actId="1076"/>
+          <ac:picMkLst>
+            <pc:docMk/>
+            <pc:sldMk cId="1047140850" sldId="262"/>
+            <ac:picMk id="5" creationId="{5C956A91-3693-43CA-3E1A-F9585F5C18D9}"/>
+          </ac:picMkLst>
+        </pc:picChg>
+      </pc:sldChg>
+      <pc:sldChg chg="modSp mod">
+        <pc:chgData name="Lewin,Mona M.S." userId="5f72fa05-3db1-46fc-bfb2-653107d28e67" providerId="ADAL" clId="{916B9FE7-9C87-4465-A521-AB8C2817CD52}" dt="2024-10-09T13:45:35.361" v="4" actId="20577"/>
+        <pc:sldMkLst>
+          <pc:docMk/>
+          <pc:sldMk cId="2864617309" sldId="266"/>
+        </pc:sldMkLst>
+        <pc:spChg chg="mod">
+          <ac:chgData name="Lewin,Mona M.S." userId="5f72fa05-3db1-46fc-bfb2-653107d28e67" providerId="ADAL" clId="{916B9FE7-9C87-4465-A521-AB8C2817CD52}" dt="2024-10-09T13:45:35.361" v="4" actId="20577"/>
+          <ac:spMkLst>
+            <pc:docMk/>
+            <pc:sldMk cId="2864617309" sldId="266"/>
+            <ac:spMk id="2" creationId="{362FC172-FEAE-DD9A-F2AC-8F226791CD42}"/>
+          </ac:spMkLst>
+        </pc:spChg>
+      </pc:sldChg>
+      <pc:sldChg chg="addSp modSp mod">
+        <pc:chgData name="Lewin,Mona M.S." userId="5f72fa05-3db1-46fc-bfb2-653107d28e67" providerId="ADAL" clId="{916B9FE7-9C87-4465-A521-AB8C2817CD52}" dt="2024-10-09T14:45:53.411" v="667" actId="1076"/>
+        <pc:sldMkLst>
+          <pc:docMk/>
+          <pc:sldMk cId="3054683147" sldId="269"/>
+        </pc:sldMkLst>
+        <pc:spChg chg="mod">
+          <ac:chgData name="Lewin,Mona M.S." userId="5f72fa05-3db1-46fc-bfb2-653107d28e67" providerId="ADAL" clId="{916B9FE7-9C87-4465-A521-AB8C2817CD52}" dt="2024-10-09T14:09:04.127" v="140" actId="403"/>
+          <ac:spMkLst>
+            <pc:docMk/>
+            <pc:sldMk cId="3054683147" sldId="269"/>
+            <ac:spMk id="3" creationId="{2E3197BA-F8E8-3F56-7A45-0CE16770730D}"/>
+          </ac:spMkLst>
+        </pc:spChg>
+        <pc:picChg chg="add mod">
+          <ac:chgData name="Lewin,Mona M.S." userId="5f72fa05-3db1-46fc-bfb2-653107d28e67" providerId="ADAL" clId="{916B9FE7-9C87-4465-A521-AB8C2817CD52}" dt="2024-10-09T14:45:53.411" v="667" actId="1076"/>
+          <ac:picMkLst>
+            <pc:docMk/>
+            <pc:sldMk cId="3054683147" sldId="269"/>
+            <ac:picMk id="5" creationId="{811144FE-59D9-6D31-CD53-B2ED2562182C}"/>
+          </ac:picMkLst>
+        </pc:picChg>
+      </pc:sldChg>
+      <pc:sldChg chg="addSp modSp mod">
+        <pc:chgData name="Lewin,Mona M.S." userId="5f72fa05-3db1-46fc-bfb2-653107d28e67" providerId="ADAL" clId="{916B9FE7-9C87-4465-A521-AB8C2817CD52}" dt="2024-10-09T14:47:53.072" v="678" actId="1076"/>
+        <pc:sldMkLst>
+          <pc:docMk/>
+          <pc:sldMk cId="3696119593" sldId="270"/>
+        </pc:sldMkLst>
+        <pc:spChg chg="mod">
+          <ac:chgData name="Lewin,Mona M.S." userId="5f72fa05-3db1-46fc-bfb2-653107d28e67" providerId="ADAL" clId="{916B9FE7-9C87-4465-A521-AB8C2817CD52}" dt="2024-10-09T14:09:51.213" v="146" actId="403"/>
+          <ac:spMkLst>
+            <pc:docMk/>
+            <pc:sldMk cId="3696119593" sldId="270"/>
+            <ac:spMk id="3" creationId="{2E3197BA-F8E8-3F56-7A45-0CE16770730D}"/>
+          </ac:spMkLst>
+        </pc:spChg>
+        <pc:picChg chg="add mod">
+          <ac:chgData name="Lewin,Mona M.S." userId="5f72fa05-3db1-46fc-bfb2-653107d28e67" providerId="ADAL" clId="{916B9FE7-9C87-4465-A521-AB8C2817CD52}" dt="2024-10-09T14:47:53.072" v="678" actId="1076"/>
+          <ac:picMkLst>
+            <pc:docMk/>
+            <pc:sldMk cId="3696119593" sldId="270"/>
+            <ac:picMk id="5" creationId="{CE7615B9-3852-79B8-1E47-D178D10D29D5}"/>
+          </ac:picMkLst>
+        </pc:picChg>
+      </pc:sldChg>
+      <pc:sldChg chg="addSp modSp mod">
+        <pc:chgData name="Lewin,Mona M.S." userId="5f72fa05-3db1-46fc-bfb2-653107d28e67" providerId="ADAL" clId="{916B9FE7-9C87-4465-A521-AB8C2817CD52}" dt="2024-10-09T14:46:40.364" v="676" actId="1076"/>
+        <pc:sldMkLst>
+          <pc:docMk/>
+          <pc:sldMk cId="779798829" sldId="274"/>
+        </pc:sldMkLst>
+        <pc:spChg chg="mod">
+          <ac:chgData name="Lewin,Mona M.S." userId="5f72fa05-3db1-46fc-bfb2-653107d28e67" providerId="ADAL" clId="{916B9FE7-9C87-4465-A521-AB8C2817CD52}" dt="2024-10-09T14:09:46.850" v="144" actId="403"/>
+          <ac:spMkLst>
+            <pc:docMk/>
+            <pc:sldMk cId="779798829" sldId="274"/>
+            <ac:spMk id="3" creationId="{2E3197BA-F8E8-3F56-7A45-0CE16770730D}"/>
+          </ac:spMkLst>
+        </pc:spChg>
+        <pc:picChg chg="add mod">
+          <ac:chgData name="Lewin,Mona M.S." userId="5f72fa05-3db1-46fc-bfb2-653107d28e67" providerId="ADAL" clId="{916B9FE7-9C87-4465-A521-AB8C2817CD52}" dt="2024-10-09T14:46:40.364" v="676" actId="1076"/>
+          <ac:picMkLst>
+            <pc:docMk/>
+            <pc:sldMk cId="779798829" sldId="274"/>
+            <ac:picMk id="5" creationId="{15A395F4-53BC-11A3-721E-1894130324AC}"/>
+          </ac:picMkLst>
+        </pc:picChg>
+      </pc:sldChg>
+      <pc:sldChg chg="addSp delSp modSp mod">
+        <pc:chgData name="Lewin,Mona M.S." userId="5f72fa05-3db1-46fc-bfb2-653107d28e67" providerId="ADAL" clId="{916B9FE7-9C87-4465-A521-AB8C2817CD52}" dt="2024-10-09T14:46:22.804" v="674" actId="1076"/>
+        <pc:sldMkLst>
+          <pc:docMk/>
+          <pc:sldMk cId="2885877300" sldId="275"/>
+        </pc:sldMkLst>
+        <pc:spChg chg="mod">
+          <ac:chgData name="Lewin,Mona M.S." userId="5f72fa05-3db1-46fc-bfb2-653107d28e67" providerId="ADAL" clId="{916B9FE7-9C87-4465-A521-AB8C2817CD52}" dt="2024-10-09T14:09:11.607" v="142" actId="403"/>
+          <ac:spMkLst>
+            <pc:docMk/>
+            <pc:sldMk cId="2885877300" sldId="275"/>
+            <ac:spMk id="3" creationId="{2E3197BA-F8E8-3F56-7A45-0CE16770730D}"/>
+          </ac:spMkLst>
+        </pc:spChg>
+        <pc:picChg chg="add del mod">
+          <ac:chgData name="Lewin,Mona M.S." userId="5f72fa05-3db1-46fc-bfb2-653107d28e67" providerId="ADAL" clId="{916B9FE7-9C87-4465-A521-AB8C2817CD52}" dt="2024-10-09T14:45:57.902" v="668" actId="478"/>
+          <ac:picMkLst>
+            <pc:docMk/>
+            <pc:sldMk cId="2885877300" sldId="275"/>
+            <ac:picMk id="5" creationId="{46C943E6-2F03-2ED3-ED75-27841D79F761}"/>
+          </ac:picMkLst>
+        </pc:picChg>
+        <pc:picChg chg="add mod">
+          <ac:chgData name="Lewin,Mona M.S." userId="5f72fa05-3db1-46fc-bfb2-653107d28e67" providerId="ADAL" clId="{916B9FE7-9C87-4465-A521-AB8C2817CD52}" dt="2024-10-09T14:46:22.804" v="674" actId="1076"/>
+          <ac:picMkLst>
+            <pc:docMk/>
+            <pc:sldMk cId="2885877300" sldId="275"/>
+            <ac:picMk id="7" creationId="{FCBA42B7-CC35-997D-628F-7E3FAD0863CB}"/>
+          </ac:picMkLst>
+        </pc:picChg>
+      </pc:sldChg>
+    </pc:docChg>
+  </pc:docChgLst>
 </pc:chgInfo>
+</file>
+
+<file path=ppt/notesMasters/notesMaster1.xml><?xml version="1.0" encoding="utf-8"?>
+<p:notesMaster xmlns:a="http://schemas.openxmlformats.org/drawingml/2006/main" xmlns:r="http://schemas.openxmlformats.org/officeDocument/2006/relationships" xmlns:p="http://schemas.openxmlformats.org/presentationml/2006/main">
+  <p:cSld>
+    <p:bg>
+      <p:bgRef idx="1001">
+        <a:schemeClr val="bg1"/>
+      </p:bgRef>
+    </p:bg>
+    <p:spTree>
+      <p:nvGrpSpPr>
+        <p:cNvPr id="1" name=""/>
+        <p:cNvGrpSpPr/>
+        <p:nvPr/>
+      </p:nvGrpSpPr>
+      <p:grpSpPr>
+        <a:xfrm>
+          <a:off x="0" y="0"/>
+          <a:ext cx="0" cy="0"/>
+          <a:chOff x="0" y="0"/>
+          <a:chExt cx="0" cy="0"/>
+        </a:xfrm>
+      </p:grpSpPr>
+      <p:sp>
+        <p:nvSpPr>
+          <p:cNvPr id="2" name="Kopfzeilenplatzhalter 1"/>
+          <p:cNvSpPr>
+            <a:spLocks noGrp="1"/>
+          </p:cNvSpPr>
+          <p:nvPr>
+            <p:ph type="hdr" sz="quarter"/>
+          </p:nvPr>
+        </p:nvSpPr>
+        <p:spPr>
+          <a:xfrm>
+            <a:off x="0" y="0"/>
+            <a:ext cx="2971800" cy="458788"/>
+          </a:xfrm>
+          <a:prstGeom prst="rect">
+            <a:avLst/>
+          </a:prstGeom>
+        </p:spPr>
+        <p:txBody>
+          <a:bodyPr vert="horz" lIns="91440" tIns="45720" rIns="91440" bIns="45720" rtlCol="0"/>
+          <a:lstStyle>
+            <a:lvl1pPr algn="l">
+              <a:defRPr sz="1200"/>
+            </a:lvl1pPr>
+          </a:lstStyle>
+          <a:p>
+            <a:endParaRPr lang="de-DE"/>
+          </a:p>
+        </p:txBody>
+      </p:sp>
+      <p:sp>
+        <p:nvSpPr>
+          <p:cNvPr id="3" name="Datumsplatzhalter 2"/>
+          <p:cNvSpPr>
+            <a:spLocks noGrp="1"/>
+          </p:cNvSpPr>
+          <p:nvPr>
+            <p:ph type="dt" idx="1"/>
+          </p:nvPr>
+        </p:nvSpPr>
+        <p:spPr>
+          <a:xfrm>
+            <a:off x="3884613" y="0"/>
+            <a:ext cx="2971800" cy="458788"/>
+          </a:xfrm>
+          <a:prstGeom prst="rect">
+            <a:avLst/>
+          </a:prstGeom>
+        </p:spPr>
+        <p:txBody>
+          <a:bodyPr vert="horz" lIns="91440" tIns="45720" rIns="91440" bIns="45720" rtlCol="0"/>
+          <a:lstStyle>
+            <a:lvl1pPr algn="r">
+              <a:defRPr sz="1200"/>
+            </a:lvl1pPr>
+          </a:lstStyle>
+          <a:p>
+            <a:fld id="{1FCF7266-E52A-436E-9E5E-2B0FD3846B33}" type="datetimeFigureOut">
+              <a:rPr lang="de-DE" smtClean="0"/>
+              <a:t>09.10.2024</a:t>
+            </a:fld>
+            <a:endParaRPr lang="de-DE"/>
+          </a:p>
+        </p:txBody>
+      </p:sp>
+      <p:sp>
+        <p:nvSpPr>
+          <p:cNvPr id="4" name="Folienbildplatzhalter 3"/>
+          <p:cNvSpPr>
+            <a:spLocks noGrp="1" noRot="1" noChangeAspect="1"/>
+          </p:cNvSpPr>
+          <p:nvPr>
+            <p:ph type="sldImg" idx="2"/>
+          </p:nvPr>
+        </p:nvSpPr>
+        <p:spPr>
+          <a:xfrm>
+            <a:off x="685800" y="1143000"/>
+            <a:ext cx="5486400" cy="3086100"/>
+          </a:xfrm>
+          <a:prstGeom prst="rect">
+            <a:avLst/>
+          </a:prstGeom>
+          <a:noFill/>
+          <a:ln w="12700">
+            <a:solidFill>
+              <a:prstClr val="black"/>
+            </a:solidFill>
+          </a:ln>
+        </p:spPr>
+        <p:txBody>
+          <a:bodyPr vert="horz" lIns="91440" tIns="45720" rIns="91440" bIns="45720" rtlCol="0" anchor="ctr"/>
+          <a:lstStyle/>
+          <a:p>
+            <a:endParaRPr lang="de-DE"/>
+          </a:p>
+        </p:txBody>
+      </p:sp>
+      <p:sp>
+        <p:nvSpPr>
+          <p:cNvPr id="5" name="Notizenplatzhalter 4"/>
+          <p:cNvSpPr>
+            <a:spLocks noGrp="1"/>
+          </p:cNvSpPr>
+          <p:nvPr>
+            <p:ph type="body" sz="quarter" idx="3"/>
+          </p:nvPr>
+        </p:nvSpPr>
+        <p:spPr>
+          <a:xfrm>
+            <a:off x="685800" y="4400550"/>
+            <a:ext cx="5486400" cy="3600450"/>
+          </a:xfrm>
+          <a:prstGeom prst="rect">
+            <a:avLst/>
+          </a:prstGeom>
+        </p:spPr>
+        <p:txBody>
+          <a:bodyPr vert="horz" lIns="91440" tIns="45720" rIns="91440" bIns="45720" rtlCol="0"/>
+          <a:lstStyle/>
+          <a:p>
+            <a:pPr lvl="0"/>
+            <a:r>
+              <a:rPr lang="de-DE"/>
+              <a:t>Mastertextformat bearbeiten</a:t>
+            </a:r>
+          </a:p>
+          <a:p>
+            <a:pPr lvl="1"/>
+            <a:r>
+              <a:rPr lang="de-DE"/>
+              <a:t>Zweite Ebene</a:t>
+            </a:r>
+          </a:p>
+          <a:p>
+            <a:pPr lvl="2"/>
+            <a:r>
+              <a:rPr lang="de-DE"/>
+              <a:t>Dritte Ebene</a:t>
+            </a:r>
+          </a:p>
+          <a:p>
+            <a:pPr lvl="3"/>
+            <a:r>
+              <a:rPr lang="de-DE"/>
+              <a:t>Vierte Ebene</a:t>
+            </a:r>
+          </a:p>
+          <a:p>
+            <a:pPr lvl="4"/>
+            <a:r>
+              <a:rPr lang="de-DE"/>
+              <a:t>Fünfte Ebene</a:t>
+            </a:r>
+          </a:p>
+        </p:txBody>
+      </p:sp>
+      <p:sp>
+        <p:nvSpPr>
+          <p:cNvPr id="6" name="Fußzeilenplatzhalter 5"/>
+          <p:cNvSpPr>
+            <a:spLocks noGrp="1"/>
+          </p:cNvSpPr>
+          <p:nvPr>
+            <p:ph type="ftr" sz="quarter" idx="4"/>
+          </p:nvPr>
+        </p:nvSpPr>
+        <p:spPr>
+          <a:xfrm>
+            <a:off x="0" y="8685213"/>
+            <a:ext cx="2971800" cy="458787"/>
+          </a:xfrm>
+          <a:prstGeom prst="rect">
+            <a:avLst/>
+          </a:prstGeom>
+        </p:spPr>
+        <p:txBody>
+          <a:bodyPr vert="horz" lIns="91440" tIns="45720" rIns="91440" bIns="45720" rtlCol="0" anchor="b"/>
+          <a:lstStyle>
+            <a:lvl1pPr algn="l">
+              <a:defRPr sz="1200"/>
+            </a:lvl1pPr>
+          </a:lstStyle>
+          <a:p>
+            <a:endParaRPr lang="de-DE"/>
+          </a:p>
+        </p:txBody>
+      </p:sp>
+      <p:sp>
+        <p:nvSpPr>
+          <p:cNvPr id="7" name="Foliennummernplatzhalter 6"/>
+          <p:cNvSpPr>
+            <a:spLocks noGrp="1"/>
+          </p:cNvSpPr>
+          <p:nvPr>
+            <p:ph type="sldNum" sz="quarter" idx="5"/>
+          </p:nvPr>
+        </p:nvSpPr>
+        <p:spPr>
+          <a:xfrm>
+            <a:off x="3884613" y="8685213"/>
+            <a:ext cx="2971800" cy="458787"/>
+          </a:xfrm>
+          <a:prstGeom prst="rect">
+            <a:avLst/>
+          </a:prstGeom>
+        </p:spPr>
+        <p:txBody>
+          <a:bodyPr vert="horz" lIns="91440" tIns="45720" rIns="91440" bIns="45720" rtlCol="0" anchor="b"/>
+          <a:lstStyle>
+            <a:lvl1pPr algn="r">
+              <a:defRPr sz="1200"/>
+            </a:lvl1pPr>
+          </a:lstStyle>
+          <a:p>
+            <a:fld id="{7C71A731-3485-4411-9D3F-4235407D50DD}" type="slidenum">
+              <a:rPr lang="de-DE" smtClean="0"/>
+              <a:t>‹Nr.›</a:t>
+            </a:fld>
+            <a:endParaRPr lang="de-DE"/>
+          </a:p>
+        </p:txBody>
+      </p:sp>
+    </p:spTree>
+    <p:extLst>
+      <p:ext uri="{BB962C8B-B14F-4D97-AF65-F5344CB8AC3E}">
+        <p14:creationId xmlns:p14="http://schemas.microsoft.com/office/powerpoint/2010/main" val="1929597829"/>
+      </p:ext>
+    </p:extLst>
+  </p:cSld>
+  <p:clrMap bg1="lt1" tx1="dk1" bg2="lt2" tx2="dk2" accent1="accent1" accent2="accent2" accent3="accent3" accent4="accent4" accent5="accent5" accent6="accent6" hlink="hlink" folHlink="folHlink"/>
+  <p:notesStyle>
+    <a:lvl1pPr marL="0" algn="l" defTabSz="914400" rtl="0" eaLnBrk="1" latinLnBrk="0" hangingPunct="1">
+      <a:defRPr sz="1200" kern="1200">
+        <a:solidFill>
+          <a:schemeClr val="tx1"/>
+        </a:solidFill>
+        <a:latin typeface="+mn-lt"/>
+        <a:ea typeface="+mn-ea"/>
+        <a:cs typeface="+mn-cs"/>
+      </a:defRPr>
+    </a:lvl1pPr>
+    <a:lvl2pPr marL="457200" algn="l" defTabSz="914400" rtl="0" eaLnBrk="1" latinLnBrk="0" hangingPunct="1">
+      <a:defRPr sz="1200" kern="1200">
+        <a:solidFill>
+          <a:schemeClr val="tx1"/>
+        </a:solidFill>
+        <a:latin typeface="+mn-lt"/>
+        <a:ea typeface="+mn-ea"/>
+        <a:cs typeface="+mn-cs"/>
+      </a:defRPr>
+    </a:lvl2pPr>
+    <a:lvl3pPr marL="914400" algn="l" defTabSz="914400" rtl="0" eaLnBrk="1" latinLnBrk="0" hangingPunct="1">
+      <a:defRPr sz="1200" kern="1200">
+        <a:solidFill>
+          <a:schemeClr val="tx1"/>
+        </a:solidFill>
+        <a:latin typeface="+mn-lt"/>
+        <a:ea typeface="+mn-ea"/>
+        <a:cs typeface="+mn-cs"/>
+      </a:defRPr>
+    </a:lvl3pPr>
+    <a:lvl4pPr marL="1371600" algn="l" defTabSz="914400" rtl="0" eaLnBrk="1" latinLnBrk="0" hangingPunct="1">
+      <a:defRPr sz="1200" kern="1200">
+        <a:solidFill>
+          <a:schemeClr val="tx1"/>
+        </a:solidFill>
+        <a:latin typeface="+mn-lt"/>
+        <a:ea typeface="+mn-ea"/>
+        <a:cs typeface="+mn-cs"/>
+      </a:defRPr>
+    </a:lvl4pPr>
+    <a:lvl5pPr marL="1828800" algn="l" defTabSz="914400" rtl="0" eaLnBrk="1" latinLnBrk="0" hangingPunct="1">
+      <a:defRPr sz="1200" kern="1200">
+        <a:solidFill>
+          <a:schemeClr val="tx1"/>
+        </a:solidFill>
+        <a:latin typeface="+mn-lt"/>
+        <a:ea typeface="+mn-ea"/>
+        <a:cs typeface="+mn-cs"/>
+      </a:defRPr>
+    </a:lvl5pPr>
+    <a:lvl6pPr marL="2286000" algn="l" defTabSz="914400" rtl="0" eaLnBrk="1" latinLnBrk="0" hangingPunct="1">
+      <a:defRPr sz="1200" kern="1200">
+        <a:solidFill>
+          <a:schemeClr val="tx1"/>
+        </a:solidFill>
+        <a:latin typeface="+mn-lt"/>
+        <a:ea typeface="+mn-ea"/>
+        <a:cs typeface="+mn-cs"/>
+      </a:defRPr>
+    </a:lvl6pPr>
+    <a:lvl7pPr marL="2743200" algn="l" defTabSz="914400" rtl="0" eaLnBrk="1" latinLnBrk="0" hangingPunct="1">
+      <a:defRPr sz="1200" kern="1200">
+        <a:solidFill>
+          <a:schemeClr val="tx1"/>
+        </a:solidFill>
+        <a:latin typeface="+mn-lt"/>
+        <a:ea typeface="+mn-ea"/>
+        <a:cs typeface="+mn-cs"/>
+      </a:defRPr>
+    </a:lvl7pPr>
+    <a:lvl8pPr marL="3200400" algn="l" defTabSz="914400" rtl="0" eaLnBrk="1" latinLnBrk="0" hangingPunct="1">
+      <a:defRPr sz="1200" kern="1200">
+        <a:solidFill>
+          <a:schemeClr val="tx1"/>
+        </a:solidFill>
+        <a:latin typeface="+mn-lt"/>
+        <a:ea typeface="+mn-ea"/>
+        <a:cs typeface="+mn-cs"/>
+      </a:defRPr>
+    </a:lvl8pPr>
+    <a:lvl9pPr marL="3657600" algn="l" defTabSz="914400" rtl="0" eaLnBrk="1" latinLnBrk="0" hangingPunct="1">
+      <a:defRPr sz="1200" kern="1200">
+        <a:solidFill>
+          <a:schemeClr val="tx1"/>
+        </a:solidFill>
+        <a:latin typeface="+mn-lt"/>
+        <a:ea typeface="+mn-ea"/>
+        <a:cs typeface="+mn-cs"/>
+      </a:defRPr>
+    </a:lvl9pPr>
+  </p:notesStyle>
+</p:notesMaster>
+</file>
+
+<file path=ppt/notesSlides/notesSlide1.xml><?xml version="1.0" encoding="utf-8"?>
+<p:notes xmlns:a="http://schemas.openxmlformats.org/drawingml/2006/main" xmlns:r="http://schemas.openxmlformats.org/officeDocument/2006/relationships" xmlns:p="http://schemas.openxmlformats.org/presentationml/2006/main">
+  <p:cSld>
+    <p:spTree>
+      <p:nvGrpSpPr>
+        <p:cNvPr id="1" name=""/>
+        <p:cNvGrpSpPr/>
+        <p:nvPr/>
+      </p:nvGrpSpPr>
+      <p:grpSpPr>
+        <a:xfrm>
+          <a:off x="0" y="0"/>
+          <a:ext cx="0" cy="0"/>
+          <a:chOff x="0" y="0"/>
+          <a:chExt cx="0" cy="0"/>
+        </a:xfrm>
+      </p:grpSpPr>
+      <p:sp>
+        <p:nvSpPr>
+          <p:cNvPr id="2" name="Folienbildplatzhalter 1"/>
+          <p:cNvSpPr>
+            <a:spLocks noGrp="1" noRot="1" noChangeAspect="1"/>
+          </p:cNvSpPr>
+          <p:nvPr>
+            <p:ph type="sldImg"/>
+          </p:nvPr>
+        </p:nvSpPr>
+        <p:spPr/>
+      </p:sp>
+      <p:sp>
+        <p:nvSpPr>
+          <p:cNvPr id="3" name="Notizenplatzhalter 2"/>
+          <p:cNvSpPr>
+            <a:spLocks noGrp="1"/>
+          </p:cNvSpPr>
+          <p:nvPr>
+            <p:ph type="body" idx="1"/>
+          </p:nvPr>
+        </p:nvSpPr>
+        <p:spPr/>
+        <p:txBody>
+          <a:bodyPr/>
+          <a:lstStyle/>
+          <a:p>
+            <a:r>
+              <a:rPr lang="de-DE" dirty="0"/>
+              <a:t>Renderer: </a:t>
+            </a:r>
+            <a:r>
+              <a:rPr lang="de-DE" dirty="0" err="1"/>
+              <a:t>takes</a:t>
+            </a:r>
+            <a:r>
+              <a:rPr lang="de-DE" dirty="0"/>
+              <a:t> all </a:t>
+            </a:r>
+            <a:r>
+              <a:rPr lang="de-DE" dirty="0" err="1"/>
+              <a:t>information</a:t>
+            </a:r>
+            <a:r>
+              <a:rPr lang="de-DE" dirty="0"/>
+              <a:t> </a:t>
+            </a:r>
+            <a:r>
+              <a:rPr lang="de-DE" dirty="0" err="1"/>
+              <a:t>from</a:t>
+            </a:r>
+            <a:r>
+              <a:rPr lang="de-DE" dirty="0"/>
+              <a:t> </a:t>
+            </a:r>
+            <a:r>
+              <a:rPr lang="de-DE" dirty="0" err="1"/>
+              <a:t>scene</a:t>
+            </a:r>
+            <a:r>
+              <a:rPr lang="de-DE" dirty="0"/>
+              <a:t>, </a:t>
+            </a:r>
+            <a:r>
+              <a:rPr lang="de-DE" dirty="0" err="1"/>
+              <a:t>renders</a:t>
+            </a:r>
+            <a:r>
+              <a:rPr lang="de-DE" dirty="0"/>
+              <a:t> </a:t>
+            </a:r>
+            <a:r>
+              <a:rPr lang="de-DE" dirty="0" err="1"/>
+              <a:t>it</a:t>
+            </a:r>
+            <a:r>
+              <a:rPr lang="de-DE" dirty="0"/>
+              <a:t> </a:t>
+            </a:r>
+            <a:r>
+              <a:rPr lang="de-DE" dirty="0" err="1"/>
+              <a:t>into</a:t>
+            </a:r>
+            <a:r>
+              <a:rPr lang="de-DE" dirty="0"/>
+              <a:t> an </a:t>
+            </a:r>
+            <a:r>
+              <a:rPr lang="de-DE" dirty="0" err="1"/>
+              <a:t>image</a:t>
+            </a:r>
+            <a:endParaRPr lang="de-DE" dirty="0"/>
+          </a:p>
+          <a:p>
+            <a:r>
+              <a:rPr lang="de-DE" dirty="0"/>
+              <a:t>Scene: top-level </a:t>
+            </a:r>
+            <a:r>
+              <a:rPr lang="de-DE" dirty="0" err="1"/>
+              <a:t>container</a:t>
+            </a:r>
+            <a:endParaRPr lang="de-DE" dirty="0"/>
+          </a:p>
+          <a:p>
+            <a:r>
+              <a:rPr lang="de-DE" dirty="0" err="1"/>
+              <a:t>Camera</a:t>
+            </a:r>
+            <a:r>
+              <a:rPr lang="de-DE" dirty="0"/>
+              <a:t>: </a:t>
+            </a:r>
+            <a:r>
+              <a:rPr lang="de-DE" dirty="0" err="1"/>
+              <a:t>determines</a:t>
+            </a:r>
+            <a:r>
+              <a:rPr lang="de-DE" dirty="0"/>
+              <a:t> </a:t>
+            </a:r>
+            <a:r>
+              <a:rPr lang="de-DE" dirty="0" err="1"/>
+              <a:t>viewpoint</a:t>
+            </a:r>
+            <a:endParaRPr lang="de-DE" dirty="0"/>
+          </a:p>
+          <a:p>
+            <a:r>
+              <a:rPr lang="de-DE" dirty="0"/>
+              <a:t>Mesh: </a:t>
+            </a:r>
+            <a:r>
+              <a:rPr lang="de-DE" dirty="0" err="1"/>
+              <a:t>combination</a:t>
+            </a:r>
+            <a:r>
+              <a:rPr lang="de-DE" dirty="0"/>
+              <a:t> </a:t>
+            </a:r>
+            <a:r>
+              <a:rPr lang="de-DE" dirty="0" err="1"/>
+              <a:t>of</a:t>
+            </a:r>
+            <a:r>
+              <a:rPr lang="de-DE" dirty="0"/>
+              <a:t> </a:t>
+            </a:r>
+            <a:r>
+              <a:rPr lang="de-DE" dirty="0" err="1"/>
+              <a:t>geometry</a:t>
+            </a:r>
+            <a:r>
+              <a:rPr lang="de-DE" dirty="0"/>
+              <a:t> and material</a:t>
+            </a:r>
+          </a:p>
+          <a:p>
+            <a:r>
+              <a:rPr lang="de-DE" dirty="0" err="1"/>
+              <a:t>Object</a:t>
+            </a:r>
+            <a:r>
+              <a:rPr lang="de-DE" dirty="0"/>
+              <a:t> 3D: </a:t>
+            </a:r>
+            <a:r>
+              <a:rPr lang="de-DE" dirty="0" err="1"/>
+              <a:t>base</a:t>
+            </a:r>
+            <a:r>
+              <a:rPr lang="de-DE" dirty="0"/>
+              <a:t> </a:t>
+            </a:r>
+            <a:r>
+              <a:rPr lang="de-DE" dirty="0" err="1"/>
+              <a:t>class</a:t>
+            </a:r>
+            <a:r>
+              <a:rPr lang="de-DE" dirty="0"/>
+              <a:t> </a:t>
+            </a:r>
+            <a:r>
+              <a:rPr lang="de-DE" dirty="0" err="1"/>
+              <a:t>for</a:t>
+            </a:r>
+            <a:r>
+              <a:rPr lang="de-DE" dirty="0"/>
+              <a:t> </a:t>
+            </a:r>
+            <a:r>
+              <a:rPr lang="de-DE" dirty="0" err="1"/>
+              <a:t>any</a:t>
+            </a:r>
+            <a:r>
+              <a:rPr lang="de-DE" dirty="0"/>
+              <a:t> </a:t>
+            </a:r>
+            <a:r>
+              <a:rPr lang="de-DE" dirty="0" err="1"/>
+              <a:t>object</a:t>
+            </a:r>
+            <a:r>
+              <a:rPr lang="de-DE" dirty="0"/>
+              <a:t> </a:t>
+            </a:r>
+            <a:r>
+              <a:rPr lang="de-DE" dirty="0" err="1"/>
+              <a:t>that</a:t>
+            </a:r>
+            <a:r>
+              <a:rPr lang="de-DE" dirty="0"/>
+              <a:t> </a:t>
+            </a:r>
+            <a:r>
+              <a:rPr lang="de-DE" dirty="0" err="1"/>
+              <a:t>can</a:t>
+            </a:r>
+            <a:r>
+              <a:rPr lang="de-DE" dirty="0"/>
+              <a:t> </a:t>
+            </a:r>
+            <a:r>
+              <a:rPr lang="de-DE" dirty="0" err="1"/>
+              <a:t>exist</a:t>
+            </a:r>
+            <a:r>
+              <a:rPr lang="de-DE" dirty="0"/>
+              <a:t> in </a:t>
+            </a:r>
+            <a:r>
+              <a:rPr lang="de-DE" dirty="0" err="1"/>
+              <a:t>the</a:t>
+            </a:r>
+            <a:r>
+              <a:rPr lang="de-DE" dirty="0"/>
+              <a:t> 3D </a:t>
+            </a:r>
+            <a:r>
+              <a:rPr lang="de-DE" dirty="0" err="1"/>
+              <a:t>scene</a:t>
+            </a:r>
+            <a:endParaRPr lang="de-DE" dirty="0"/>
+          </a:p>
+          <a:p>
+            <a:r>
+              <a:rPr lang="de-DE" dirty="0"/>
+              <a:t>Group: Container </a:t>
+            </a:r>
+            <a:r>
+              <a:rPr lang="de-DE" dirty="0" err="1"/>
+              <a:t>thatenables</a:t>
+            </a:r>
+            <a:r>
+              <a:rPr lang="de-DE" dirty="0"/>
+              <a:t> </a:t>
+            </a:r>
+            <a:r>
+              <a:rPr lang="de-DE" dirty="0" err="1"/>
+              <a:t>to</a:t>
+            </a:r>
+            <a:r>
+              <a:rPr lang="de-DE" dirty="0"/>
+              <a:t> </a:t>
+            </a:r>
+            <a:r>
+              <a:rPr lang="de-DE" dirty="0" err="1"/>
+              <a:t>group</a:t>
+            </a:r>
+            <a:r>
+              <a:rPr lang="de-DE" dirty="0"/>
+              <a:t> multiple </a:t>
+            </a:r>
+            <a:r>
+              <a:rPr lang="de-DE" dirty="0" err="1"/>
+              <a:t>objects</a:t>
+            </a:r>
+            <a:r>
+              <a:rPr lang="de-DE" dirty="0"/>
+              <a:t> </a:t>
+            </a:r>
+            <a:r>
+              <a:rPr lang="de-DE" dirty="0" err="1"/>
+              <a:t>together</a:t>
+            </a:r>
+            <a:r>
+              <a:rPr lang="de-DE" dirty="0"/>
+              <a:t> and </a:t>
+            </a:r>
+            <a:r>
+              <a:rPr lang="de-DE" dirty="0" err="1"/>
+              <a:t>manipulates</a:t>
+            </a:r>
+            <a:r>
+              <a:rPr lang="de-DE" dirty="0"/>
+              <a:t> </a:t>
+            </a:r>
+            <a:r>
+              <a:rPr lang="de-DE" dirty="0" err="1"/>
+              <a:t>them</a:t>
+            </a:r>
+            <a:r>
+              <a:rPr lang="de-DE" dirty="0"/>
+              <a:t> </a:t>
+            </a:r>
+            <a:r>
+              <a:rPr lang="de-DE" dirty="0" err="1"/>
+              <a:t>as</a:t>
+            </a:r>
+            <a:r>
+              <a:rPr lang="de-DE" dirty="0"/>
+              <a:t> </a:t>
+            </a:r>
+            <a:r>
+              <a:rPr lang="de-DE" dirty="0" err="1"/>
+              <a:t>one</a:t>
+            </a:r>
+            <a:r>
+              <a:rPr lang="de-DE" dirty="0"/>
+              <a:t> </a:t>
+            </a:r>
+            <a:r>
+              <a:rPr lang="de-DE" dirty="0" err="1"/>
+              <a:t>entity</a:t>
+            </a:r>
+            <a:endParaRPr lang="de-DE" dirty="0"/>
+          </a:p>
+          <a:p>
+            <a:r>
+              <a:rPr lang="de-DE" dirty="0"/>
+              <a:t>Light: </a:t>
+            </a:r>
+            <a:r>
+              <a:rPr lang="de-DE" dirty="0" err="1"/>
+              <a:t>necessary</a:t>
+            </a:r>
+            <a:r>
+              <a:rPr lang="de-DE" dirty="0"/>
+              <a:t> </a:t>
+            </a:r>
+            <a:r>
+              <a:rPr lang="de-DE" dirty="0" err="1"/>
+              <a:t>for</a:t>
+            </a:r>
+            <a:r>
+              <a:rPr lang="de-DE" dirty="0"/>
+              <a:t> </a:t>
+            </a:r>
+            <a:r>
+              <a:rPr lang="de-DE" dirty="0" err="1"/>
+              <a:t>iluminating</a:t>
+            </a:r>
+            <a:r>
+              <a:rPr lang="de-DE" dirty="0"/>
+              <a:t> </a:t>
+            </a:r>
+            <a:r>
+              <a:rPr lang="de-DE" dirty="0" err="1"/>
+              <a:t>the</a:t>
+            </a:r>
+            <a:r>
+              <a:rPr lang="de-DE" dirty="0"/>
+              <a:t> </a:t>
+            </a:r>
+            <a:r>
+              <a:rPr lang="de-DE" dirty="0" err="1"/>
+              <a:t>scene</a:t>
+            </a:r>
+            <a:r>
+              <a:rPr lang="de-DE" dirty="0"/>
+              <a:t> and </a:t>
+            </a:r>
+            <a:r>
+              <a:rPr lang="de-DE" dirty="0" err="1"/>
+              <a:t>shading</a:t>
+            </a:r>
+            <a:endParaRPr lang="de-DE" dirty="0"/>
+          </a:p>
+          <a:p>
+            <a:r>
+              <a:rPr lang="de-DE" dirty="0" err="1"/>
+              <a:t>Texture</a:t>
+            </a:r>
+            <a:r>
+              <a:rPr lang="de-DE" dirty="0"/>
+              <a:t>: </a:t>
+            </a:r>
+            <a:r>
+              <a:rPr lang="de-DE" dirty="0" err="1"/>
+              <a:t>images</a:t>
+            </a:r>
+            <a:r>
+              <a:rPr lang="de-DE" dirty="0"/>
+              <a:t> </a:t>
+            </a:r>
+            <a:r>
+              <a:rPr lang="de-DE" dirty="0" err="1"/>
+              <a:t>applied</a:t>
+            </a:r>
+            <a:r>
+              <a:rPr lang="de-DE" dirty="0"/>
+              <a:t> </a:t>
+            </a:r>
+            <a:r>
+              <a:rPr lang="de-DE" dirty="0" err="1"/>
+              <a:t>to</a:t>
+            </a:r>
+            <a:r>
+              <a:rPr lang="de-DE" dirty="0"/>
+              <a:t> </a:t>
+            </a:r>
+            <a:r>
+              <a:rPr lang="de-DE" dirty="0" err="1"/>
+              <a:t>materials</a:t>
+            </a:r>
+            <a:r>
+              <a:rPr lang="de-DE" dirty="0"/>
+              <a:t> </a:t>
+            </a:r>
+            <a:r>
+              <a:rPr lang="de-DE" dirty="0" err="1"/>
+              <a:t>to</a:t>
+            </a:r>
+            <a:r>
+              <a:rPr lang="de-DE" dirty="0"/>
+              <a:t> </a:t>
+            </a:r>
+            <a:r>
+              <a:rPr lang="de-DE" dirty="0" err="1"/>
+              <a:t>add</a:t>
+            </a:r>
+            <a:r>
+              <a:rPr lang="de-DE" dirty="0"/>
+              <a:t> </a:t>
+            </a:r>
+            <a:r>
+              <a:rPr lang="de-DE" dirty="0" err="1"/>
+              <a:t>detail</a:t>
+            </a:r>
+            <a:r>
+              <a:rPr lang="de-DE" dirty="0"/>
+              <a:t>/</a:t>
+            </a:r>
+            <a:r>
+              <a:rPr lang="de-DE" dirty="0" err="1"/>
+              <a:t>pattern</a:t>
+            </a:r>
+            <a:endParaRPr lang="de-DE" dirty="0"/>
+          </a:p>
+          <a:p>
+            <a:endParaRPr lang="de-DE" dirty="0"/>
+          </a:p>
+        </p:txBody>
+      </p:sp>
+      <p:sp>
+        <p:nvSpPr>
+          <p:cNvPr id="4" name="Foliennummernplatzhalter 3"/>
+          <p:cNvSpPr>
+            <a:spLocks noGrp="1"/>
+          </p:cNvSpPr>
+          <p:nvPr>
+            <p:ph type="sldNum" sz="quarter" idx="5"/>
+          </p:nvPr>
+        </p:nvSpPr>
+        <p:spPr/>
+        <p:txBody>
+          <a:bodyPr/>
+          <a:lstStyle/>
+          <a:p>
+            <a:fld id="{7C71A731-3485-4411-9D3F-4235407D50DD}" type="slidenum">
+              <a:rPr lang="de-DE" smtClean="0"/>
+              <a:t>7</a:t>
+            </a:fld>
+            <a:endParaRPr lang="de-DE"/>
+          </a:p>
+        </p:txBody>
+      </p:sp>
+    </p:spTree>
+    <p:extLst>
+      <p:ext uri="{BB962C8B-B14F-4D97-AF65-F5344CB8AC3E}">
+        <p14:creationId xmlns:p14="http://schemas.microsoft.com/office/powerpoint/2010/main" val="1683786267"/>
+      </p:ext>
+    </p:extLst>
+  </p:cSld>
+  <p:clrMapOvr>
+    <a:masterClrMapping/>
+  </p:clrMapOvr>
+</p:notes>
 </file>
 
 <file path=ppt/slideLayouts/slideLayout1.xml><?xml version="1.0" encoding="utf-8"?>
@@ -1628,7 +2642,7 @@
           <a:p>
             <a:fld id="{1036F608-46E1-4C66-BB59-153363F37A82}" type="datetimeFigureOut">
               <a:rPr lang="de-DE" smtClean="0"/>
-              <a:t>23.09.2024</a:t>
+              <a:t>09.10.2024</a:t>
             </a:fld>
             <a:endParaRPr lang="de-DE"/>
           </a:p>
@@ -1826,7 +2840,7 @@
           <a:p>
             <a:fld id="{1036F608-46E1-4C66-BB59-153363F37A82}" type="datetimeFigureOut">
               <a:rPr lang="de-DE" smtClean="0"/>
-              <a:t>23.09.2024</a:t>
+              <a:t>09.10.2024</a:t>
             </a:fld>
             <a:endParaRPr lang="de-DE"/>
           </a:p>
@@ -2034,7 +3048,7 @@
           <a:p>
             <a:fld id="{1036F608-46E1-4C66-BB59-153363F37A82}" type="datetimeFigureOut">
               <a:rPr lang="de-DE" smtClean="0"/>
-              <a:t>23.09.2024</a:t>
+              <a:t>09.10.2024</a:t>
             </a:fld>
             <a:endParaRPr lang="de-DE"/>
           </a:p>
@@ -2232,7 +3246,7 @@
           <a:p>
             <a:fld id="{1036F608-46E1-4C66-BB59-153363F37A82}" type="datetimeFigureOut">
               <a:rPr lang="de-DE" smtClean="0"/>
-              <a:t>23.09.2024</a:t>
+              <a:t>09.10.2024</a:t>
             </a:fld>
             <a:endParaRPr lang="de-DE"/>
           </a:p>
@@ -2507,7 +3521,7 @@
           <a:p>
             <a:fld id="{1036F608-46E1-4C66-BB59-153363F37A82}" type="datetimeFigureOut">
               <a:rPr lang="de-DE" smtClean="0"/>
-              <a:t>23.09.2024</a:t>
+              <a:t>09.10.2024</a:t>
             </a:fld>
             <a:endParaRPr lang="de-DE"/>
           </a:p>
@@ -2772,7 +3786,7 @@
           <a:p>
             <a:fld id="{1036F608-46E1-4C66-BB59-153363F37A82}" type="datetimeFigureOut">
               <a:rPr lang="de-DE" smtClean="0"/>
-              <a:t>23.09.2024</a:t>
+              <a:t>09.10.2024</a:t>
             </a:fld>
             <a:endParaRPr lang="de-DE"/>
           </a:p>
@@ -3184,7 +4198,7 @@
           <a:p>
             <a:fld id="{1036F608-46E1-4C66-BB59-153363F37A82}" type="datetimeFigureOut">
               <a:rPr lang="de-DE" smtClean="0"/>
-              <a:t>23.09.2024</a:t>
+              <a:t>09.10.2024</a:t>
             </a:fld>
             <a:endParaRPr lang="de-DE"/>
           </a:p>
@@ -3325,7 +4339,7 @@
           <a:p>
             <a:fld id="{1036F608-46E1-4C66-BB59-153363F37A82}" type="datetimeFigureOut">
               <a:rPr lang="de-DE" smtClean="0"/>
-              <a:t>23.09.2024</a:t>
+              <a:t>09.10.2024</a:t>
             </a:fld>
             <a:endParaRPr lang="de-DE"/>
           </a:p>
@@ -3438,7 +4452,7 @@
           <a:p>
             <a:fld id="{1036F608-46E1-4C66-BB59-153363F37A82}" type="datetimeFigureOut">
               <a:rPr lang="de-DE" smtClean="0"/>
-              <a:t>23.09.2024</a:t>
+              <a:t>09.10.2024</a:t>
             </a:fld>
             <a:endParaRPr lang="de-DE"/>
           </a:p>
@@ -3749,7 +4763,7 @@
           <a:p>
             <a:fld id="{1036F608-46E1-4C66-BB59-153363F37A82}" type="datetimeFigureOut">
               <a:rPr lang="de-DE" smtClean="0"/>
-              <a:t>23.09.2024</a:t>
+              <a:t>09.10.2024</a:t>
             </a:fld>
             <a:endParaRPr lang="de-DE"/>
           </a:p>
@@ -4037,7 +5051,7 @@
           <a:p>
             <a:fld id="{1036F608-46E1-4C66-BB59-153363F37A82}" type="datetimeFigureOut">
               <a:rPr lang="de-DE" smtClean="0"/>
-              <a:t>23.09.2024</a:t>
+              <a:t>09.10.2024</a:t>
             </a:fld>
             <a:endParaRPr lang="de-DE"/>
           </a:p>
@@ -4278,7 +5292,7 @@
           <a:p>
             <a:fld id="{1036F608-46E1-4C66-BB59-153363F37A82}" type="datetimeFigureOut">
               <a:rPr lang="de-DE" smtClean="0"/>
-              <a:t>23.09.2024</a:t>
+              <a:t>09.10.2024</a:t>
             </a:fld>
             <a:endParaRPr lang="de-DE"/>
           </a:p>
@@ -5846,17 +6860,50 @@
           </a:bodyPr>
           <a:lstStyle/>
           <a:p>
-            <a:endParaRPr lang="en-US" sz="2400" kern="1200">
-              <a:solidFill>
-                <a:schemeClr val="tx1"/>
-              </a:solidFill>
-              <a:latin typeface="+mn-lt"/>
-              <a:ea typeface="+mn-ea"/>
-              <a:cs typeface="+mn-cs"/>
-            </a:endParaRPr>
-          </a:p>
-        </p:txBody>
-      </p:sp>
+            <a:r>
+              <a:rPr lang="en-US" sz="3200" kern="1200" dirty="0">
+                <a:solidFill>
+                  <a:schemeClr val="tx1"/>
+                </a:solidFill>
+                <a:latin typeface="+mn-lt"/>
+                <a:ea typeface="+mn-ea"/>
+                <a:cs typeface="+mn-cs"/>
+              </a:rPr>
+              <a:t>Load External Model</a:t>
+            </a:r>
+          </a:p>
+        </p:txBody>
+      </p:sp>
+      <p:pic>
+        <p:nvPicPr>
+          <p:cNvPr id="5" name="Grafik 4">
+            <a:extLst>
+              <a:ext uri="{FF2B5EF4-FFF2-40B4-BE49-F238E27FC236}">
+                <a16:creationId xmlns:a16="http://schemas.microsoft.com/office/drawing/2014/main" id="{15A395F4-53BC-11A3-721E-1894130324AC}"/>
+              </a:ext>
+            </a:extLst>
+          </p:cNvPr>
+          <p:cNvPicPr>
+            <a:picLocks noChangeAspect="1"/>
+          </p:cNvPicPr>
+          <p:nvPr/>
+        </p:nvPicPr>
+        <p:blipFill>
+          <a:blip r:embed="rId2"/>
+          <a:stretch>
+            <a:fillRect/>
+          </a:stretch>
+        </p:blipFill>
+        <p:spPr>
+          <a:xfrm>
+            <a:off x="8540926" y="316304"/>
+            <a:ext cx="2600688" cy="3248478"/>
+          </a:xfrm>
+          <a:prstGeom prst="rect">
+            <a:avLst/>
+          </a:prstGeom>
+        </p:spPr>
+      </p:pic>
     </p:spTree>
     <p:extLst>
       <p:ext uri="{BB962C8B-B14F-4D97-AF65-F5344CB8AC3E}">
@@ -6485,17 +7532,49 @@
           </a:bodyPr>
           <a:lstStyle/>
           <a:p>
-            <a:endParaRPr lang="en-US" sz="2400" kern="1200">
-              <a:solidFill>
-                <a:schemeClr val="tx1"/>
-              </a:solidFill>
-              <a:latin typeface="+mn-lt"/>
-              <a:ea typeface="+mn-ea"/>
-              <a:cs typeface="+mn-cs"/>
-            </a:endParaRPr>
-          </a:p>
-        </p:txBody>
-      </p:sp>
+            <a:r>
+              <a:rPr lang="en-US" sz="3200" kern="1200" dirty="0">
+                <a:solidFill>
+                  <a:schemeClr val="tx1"/>
+                </a:solidFill>
+                <a:latin typeface="+mn-lt"/>
+                <a:ea typeface="+mn-ea"/>
+                <a:cs typeface="+mn-cs"/>
+              </a:rPr>
+              <a:t>Loading Screen</a:t>
+            </a:r>
+          </a:p>
+        </p:txBody>
+      </p:sp>
+      <p:pic>
+        <p:nvPicPr>
+          <p:cNvPr id="5" name="Grafik 4">
+            <a:extLst>
+              <a:ext uri="{FF2B5EF4-FFF2-40B4-BE49-F238E27FC236}">
+                <a16:creationId xmlns:a16="http://schemas.microsoft.com/office/drawing/2014/main" id="{CE7615B9-3852-79B8-1E47-D178D10D29D5}"/>
+              </a:ext>
+            </a:extLst>
+          </p:cNvPr>
+          <p:cNvPicPr>
+            <a:picLocks noChangeAspect="1"/>
+          </p:cNvPicPr>
+          <p:nvPr/>
+        </p:nvPicPr>
+        <p:blipFill rotWithShape="1">
+          <a:blip r:embed="rId2"/>
+          <a:srcRect l="19547" r="19547"/>
+          <a:stretch/>
+        </p:blipFill>
+        <p:spPr>
+          <a:xfrm>
+            <a:off x="8501459" y="215720"/>
+            <a:ext cx="3231639" cy="3231639"/>
+          </a:xfrm>
+          <a:prstGeom prst="rect">
+            <a:avLst/>
+          </a:prstGeom>
+        </p:spPr>
+      </p:pic>
     </p:spTree>
     <p:extLst>
       <p:ext uri="{BB962C8B-B14F-4D97-AF65-F5344CB8AC3E}">
@@ -8833,7 +9912,7 @@
           <a:lstStyle/>
           <a:p>
             <a:r>
-              <a:rPr lang="en-US" sz="4800" kern="1200">
+              <a:rPr lang="en-US" sz="4800" kern="1200" dirty="0">
                 <a:solidFill>
                   <a:srgbClr val="FFFFFF"/>
                 </a:solidFill>
@@ -8841,7 +9920,7 @@
                 <a:ea typeface="+mj-ea"/>
                 <a:cs typeface="+mj-cs"/>
               </a:rPr>
-              <a:t>Where are 3D models used in your daylie life?</a:t>
+              <a:t>Where are 3D models used in your daily life?</a:t>
             </a:r>
           </a:p>
         </p:txBody>
@@ -11499,7 +12578,7 @@
                 <a:ea typeface="+mj-ea"/>
                 <a:cs typeface="+mj-cs"/>
               </a:rPr>
-              <a:t>Structure</a:t>
+              <a:t>Scene Structure</a:t>
             </a:r>
           </a:p>
         </p:txBody>
@@ -11521,7 +12600,7 @@
           </p:nvPr>
         </p:nvPicPr>
         <p:blipFill>
-          <a:blip r:embed="rId2">
+          <a:blip r:embed="rId3">
             <a:extLst>
               <a:ext uri="{28A0092B-C50C-407E-A947-70E740481C1C}">
                 <a14:useLocalDpi xmlns:a14="http://schemas.microsoft.com/office/drawing/2010/main" val="0"/>
@@ -11542,6 +12621,41 @@
           </a:prstGeom>
         </p:spPr>
       </p:pic>
+      <p:sp>
+        <p:nvSpPr>
+          <p:cNvPr id="3" name="Textfeld 2">
+            <a:extLst>
+              <a:ext uri="{FF2B5EF4-FFF2-40B4-BE49-F238E27FC236}">
+                <a16:creationId xmlns:a16="http://schemas.microsoft.com/office/drawing/2014/main" id="{EB800C55-36D6-66CA-1D23-5A03C5BB5A7B}"/>
+              </a:ext>
+            </a:extLst>
+          </p:cNvPr>
+          <p:cNvSpPr txBox="1"/>
+          <p:nvPr/>
+        </p:nvSpPr>
+        <p:spPr>
+          <a:xfrm>
+            <a:off x="4533122" y="6391656"/>
+            <a:ext cx="7236276" cy="230832"/>
+          </a:xfrm>
+          <a:prstGeom prst="rect">
+            <a:avLst/>
+          </a:prstGeom>
+          <a:noFill/>
+        </p:spPr>
+        <p:txBody>
+          <a:bodyPr wrap="none" rtlCol="0">
+            <a:spAutoFit/>
+          </a:bodyPr>
+          <a:lstStyle/>
+          <a:p>
+            <a:r>
+              <a:rPr lang="de-DE" sz="900" dirty="0"/>
+              <a:t>https://www.researchgate.net/figure/Structure-of-a-typical-Threejs-scene-Image-source-threejsfundamentalsorg-c-Google_fig28_344339852</a:t>
+            </a:r>
+          </a:p>
+        </p:txBody>
+      </p:sp>
     </p:spTree>
     <p:extLst>
       <p:ext uri="{BB962C8B-B14F-4D97-AF65-F5344CB8AC3E}">
@@ -12170,17 +13284,50 @@
           </a:bodyPr>
           <a:lstStyle/>
           <a:p>
-            <a:endParaRPr lang="en-US" sz="2400" kern="1200">
-              <a:solidFill>
-                <a:schemeClr val="tx1"/>
-              </a:solidFill>
-              <a:latin typeface="+mn-lt"/>
-              <a:ea typeface="+mn-ea"/>
-              <a:cs typeface="+mn-cs"/>
-            </a:endParaRPr>
-          </a:p>
-        </p:txBody>
-      </p:sp>
+            <a:r>
+              <a:rPr lang="en-US" sz="3200" kern="1200" dirty="0">
+                <a:solidFill>
+                  <a:schemeClr val="tx1"/>
+                </a:solidFill>
+                <a:latin typeface="+mn-lt"/>
+                <a:ea typeface="+mn-ea"/>
+                <a:cs typeface="+mn-cs"/>
+              </a:rPr>
+              <a:t>Basic Elements</a:t>
+            </a:r>
+          </a:p>
+        </p:txBody>
+      </p:sp>
+      <p:pic>
+        <p:nvPicPr>
+          <p:cNvPr id="5" name="Grafik 4">
+            <a:extLst>
+              <a:ext uri="{FF2B5EF4-FFF2-40B4-BE49-F238E27FC236}">
+                <a16:creationId xmlns:a16="http://schemas.microsoft.com/office/drawing/2014/main" id="{811144FE-59D9-6D31-CD53-B2ED2562182C}"/>
+              </a:ext>
+            </a:extLst>
+          </p:cNvPr>
+          <p:cNvPicPr>
+            <a:picLocks noChangeAspect="1"/>
+          </p:cNvPicPr>
+          <p:nvPr/>
+        </p:nvPicPr>
+        <p:blipFill>
+          <a:blip r:embed="rId2"/>
+          <a:stretch>
+            <a:fillRect/>
+          </a:stretch>
+        </p:blipFill>
+        <p:spPr>
+          <a:xfrm>
+            <a:off x="8573742" y="725255"/>
+            <a:ext cx="2520000" cy="2425162"/>
+          </a:xfrm>
+          <a:prstGeom prst="rect">
+            <a:avLst/>
+          </a:prstGeom>
+        </p:spPr>
+      </p:pic>
     </p:spTree>
     <p:extLst>
       <p:ext uri="{BB962C8B-B14F-4D97-AF65-F5344CB8AC3E}">
@@ -12809,17 +13956,49 @@
           </a:bodyPr>
           <a:lstStyle/>
           <a:p>
-            <a:endParaRPr lang="en-US" sz="2400" kern="1200">
-              <a:solidFill>
-                <a:schemeClr val="tx1"/>
-              </a:solidFill>
-              <a:latin typeface="+mn-lt"/>
-              <a:ea typeface="+mn-ea"/>
-              <a:cs typeface="+mn-cs"/>
-            </a:endParaRPr>
-          </a:p>
-        </p:txBody>
-      </p:sp>
+            <a:r>
+              <a:rPr lang="en-US" sz="3200" kern="1200" dirty="0">
+                <a:solidFill>
+                  <a:schemeClr val="tx1"/>
+                </a:solidFill>
+                <a:latin typeface="+mn-lt"/>
+                <a:ea typeface="+mn-ea"/>
+                <a:cs typeface="+mn-cs"/>
+              </a:rPr>
+              <a:t>Animation</a:t>
+            </a:r>
+          </a:p>
+        </p:txBody>
+      </p:sp>
+      <p:pic>
+        <p:nvPicPr>
+          <p:cNvPr id="7" name="Grafik 6">
+            <a:extLst>
+              <a:ext uri="{FF2B5EF4-FFF2-40B4-BE49-F238E27FC236}">
+                <a16:creationId xmlns:a16="http://schemas.microsoft.com/office/drawing/2014/main" id="{FCBA42B7-CC35-997D-628F-7E3FAD0863CB}"/>
+              </a:ext>
+            </a:extLst>
+          </p:cNvPr>
+          <p:cNvPicPr>
+            <a:picLocks noChangeAspect="1"/>
+          </p:cNvPicPr>
+          <p:nvPr/>
+        </p:nvPicPr>
+        <p:blipFill rotWithShape="1">
+          <a:blip r:embed="rId2"/>
+          <a:srcRect l="8300" r="8300"/>
+          <a:stretch/>
+        </p:blipFill>
+        <p:spPr>
+          <a:xfrm>
+            <a:off x="8573742" y="808005"/>
+            <a:ext cx="2520000" cy="2520000"/>
+          </a:xfrm>
+          <a:prstGeom prst="rect">
+            <a:avLst/>
+          </a:prstGeom>
+        </p:spPr>
+      </p:pic>
     </p:spTree>
     <p:extLst>
       <p:ext uri="{BB962C8B-B14F-4D97-AF65-F5344CB8AC3E}">
@@ -13146,4 +14325,319 @@
     </a:ext>
   </a:extLst>
 </a:theme>
+</file>
+
+<file path=ppt/theme/theme2.xml><?xml version="1.0" encoding="utf-8"?>
+<a:theme xmlns:a="http://schemas.openxmlformats.org/drawingml/2006/main" name="Office">
+  <a:themeElements>
+    <a:clrScheme name="Office">
+      <a:dk1>
+        <a:sysClr val="windowText" lastClr="000000"/>
+      </a:dk1>
+      <a:lt1>
+        <a:sysClr val="window" lastClr="FFFFFF"/>
+      </a:lt1>
+      <a:dk2>
+        <a:srgbClr val="0E2841"/>
+      </a:dk2>
+      <a:lt2>
+        <a:srgbClr val="E8E8E8"/>
+      </a:lt2>
+      <a:accent1>
+        <a:srgbClr val="156082"/>
+      </a:accent1>
+      <a:accent2>
+        <a:srgbClr val="E97132"/>
+      </a:accent2>
+      <a:accent3>
+        <a:srgbClr val="196B24"/>
+      </a:accent3>
+      <a:accent4>
+        <a:srgbClr val="0F9ED5"/>
+      </a:accent4>
+      <a:accent5>
+        <a:srgbClr val="A02B93"/>
+      </a:accent5>
+      <a:accent6>
+        <a:srgbClr val="4EA72E"/>
+      </a:accent6>
+      <a:hlink>
+        <a:srgbClr val="467886"/>
+      </a:hlink>
+      <a:folHlink>
+        <a:srgbClr val="96607D"/>
+      </a:folHlink>
+    </a:clrScheme>
+    <a:fontScheme name="Office">
+      <a:majorFont>
+        <a:latin typeface="Aptos Display" panose="02110004020202020204"/>
+        <a:ea typeface=""/>
+        <a:cs typeface=""/>
+        <a:font script="Jpan" typeface="游ゴシック Light"/>
+        <a:font script="Hang" typeface="맑은 고딕"/>
+        <a:font script="Hans" typeface="等线 Light"/>
+        <a:font script="Hant" typeface="新細明體"/>
+        <a:font script="Arab" typeface="Times New Roman"/>
+        <a:font script="Hebr" typeface="Times New Roman"/>
+        <a:font script="Thai" typeface="Angsana New"/>
+        <a:font script="Ethi" typeface="Nyala"/>
+        <a:font script="Beng" typeface="Vrinda"/>
+        <a:font script="Gujr" typeface="Shruti"/>
+        <a:font script="Khmr" typeface="MoolBoran"/>
+        <a:font script="Knda" typeface="Tunga"/>
+        <a:font script="Guru" typeface="Raavi"/>
+        <a:font script="Cans" typeface="Euphemia"/>
+        <a:font script="Cher" typeface="Plantagenet Cherokee"/>
+        <a:font script="Yiii" typeface="Microsoft Yi Baiti"/>
+        <a:font script="Tibt" typeface="Microsoft Himalaya"/>
+        <a:font script="Thaa" typeface="MV Boli"/>
+        <a:font script="Deva" typeface="Mangal"/>
+        <a:font script="Telu" typeface="Gautami"/>
+        <a:font script="Taml" typeface="Latha"/>
+        <a:font script="Syrc" typeface="Estrangelo Edessa"/>
+        <a:font script="Orya" typeface="Kalinga"/>
+        <a:font script="Mlym" typeface="Kartika"/>
+        <a:font script="Laoo" typeface="DokChampa"/>
+        <a:font script="Sinh" typeface="Iskoola Pota"/>
+        <a:font script="Mong" typeface="Mongolian Baiti"/>
+        <a:font script="Viet" typeface="Times New Roman"/>
+        <a:font script="Uigh" typeface="Microsoft Uighur"/>
+        <a:font script="Geor" typeface="Sylfaen"/>
+        <a:font script="Armn" typeface="Arial"/>
+        <a:font script="Bugi" typeface="Leelawadee UI"/>
+        <a:font script="Bopo" typeface="Microsoft JhengHei"/>
+        <a:font script="Java" typeface="Javanese Text"/>
+        <a:font script="Lisu" typeface="Segoe UI"/>
+        <a:font script="Mymr" typeface="Myanmar Text"/>
+        <a:font script="Nkoo" typeface="Ebrima"/>
+        <a:font script="Olck" typeface="Nirmala UI"/>
+        <a:font script="Osma" typeface="Ebrima"/>
+        <a:font script="Phag" typeface="Phagspa"/>
+        <a:font script="Syrn" typeface="Estrangelo Edessa"/>
+        <a:font script="Syrj" typeface="Estrangelo Edessa"/>
+        <a:font script="Syre" typeface="Estrangelo Edessa"/>
+        <a:font script="Sora" typeface="Nirmala UI"/>
+        <a:font script="Tale" typeface="Microsoft Tai Le"/>
+        <a:font script="Talu" typeface="Microsoft New Tai Lue"/>
+        <a:font script="Tfng" typeface="Ebrima"/>
+      </a:majorFont>
+      <a:minorFont>
+        <a:latin typeface="Aptos" panose="02110004020202020204"/>
+        <a:ea typeface=""/>
+        <a:cs typeface=""/>
+        <a:font script="Jpan" typeface="游ゴシック"/>
+        <a:font script="Hang" typeface="맑은 고딕"/>
+        <a:font script="Hans" typeface="等线"/>
+        <a:font script="Hant" typeface="新細明體"/>
+        <a:font script="Arab" typeface="Arial"/>
+        <a:font script="Hebr" typeface="Arial"/>
+        <a:font script="Thai" typeface="Cordia New"/>
+        <a:font script="Ethi" typeface="Nyala"/>
+        <a:font script="Beng" typeface="Vrinda"/>
+        <a:font script="Gujr" typeface="Shruti"/>
+        <a:font script="Khmr" typeface="DaunPenh"/>
+        <a:font script="Knda" typeface="Tunga"/>
+        <a:font script="Guru" typeface="Raavi"/>
+        <a:font script="Cans" typeface="Euphemia"/>
+        <a:font script="Cher" typeface="Plantagenet Cherokee"/>
+        <a:font script="Yiii" typeface="Microsoft Yi Baiti"/>
+        <a:font script="Tibt" typeface="Microsoft Himalaya"/>
+        <a:font script="Thaa" typeface="MV Boli"/>
+        <a:font script="Deva" typeface="Mangal"/>
+        <a:font script="Telu" typeface="Gautami"/>
+        <a:font script="Taml" typeface="Latha"/>
+        <a:font script="Syrc" typeface="Estrangelo Edessa"/>
+        <a:font script="Orya" typeface="Kalinga"/>
+        <a:font script="Mlym" typeface="Kartika"/>
+        <a:font script="Laoo" typeface="DokChampa"/>
+        <a:font script="Sinh" typeface="Iskoola Pota"/>
+        <a:font script="Mong" typeface="Mongolian Baiti"/>
+        <a:font script="Viet" typeface="Arial"/>
+        <a:font script="Uigh" typeface="Microsoft Uighur"/>
+        <a:font script="Geor" typeface="Sylfaen"/>
+        <a:font script="Armn" typeface="Arial"/>
+        <a:font script="Bugi" typeface="Leelawadee UI"/>
+        <a:font script="Bopo" typeface="Microsoft JhengHei"/>
+        <a:font script="Java" typeface="Javanese Text"/>
+        <a:font script="Lisu" typeface="Segoe UI"/>
+        <a:font script="Mymr" typeface="Myanmar Text"/>
+        <a:font script="Nkoo" typeface="Ebrima"/>
+        <a:font script="Olck" typeface="Nirmala UI"/>
+        <a:font script="Osma" typeface="Ebrima"/>
+        <a:font script="Phag" typeface="Phagspa"/>
+        <a:font script="Syrn" typeface="Estrangelo Edessa"/>
+        <a:font script="Syrj" typeface="Estrangelo Edessa"/>
+        <a:font script="Syre" typeface="Estrangelo Edessa"/>
+        <a:font script="Sora" typeface="Nirmala UI"/>
+        <a:font script="Tale" typeface="Microsoft Tai Le"/>
+        <a:font script="Talu" typeface="Microsoft New Tai Lue"/>
+        <a:font script="Tfng" typeface="Ebrima"/>
+      </a:minorFont>
+    </a:fontScheme>
+    <a:fmtScheme name="Office">
+      <a:fillStyleLst>
+        <a:solidFill>
+          <a:schemeClr val="phClr"/>
+        </a:solidFill>
+        <a:gradFill rotWithShape="1">
+          <a:gsLst>
+            <a:gs pos="0">
+              <a:schemeClr val="phClr">
+                <a:lumMod val="110000"/>
+                <a:satMod val="105000"/>
+                <a:tint val="67000"/>
+              </a:schemeClr>
+            </a:gs>
+            <a:gs pos="50000">
+              <a:schemeClr val="phClr">
+                <a:lumMod val="105000"/>
+                <a:satMod val="103000"/>
+                <a:tint val="73000"/>
+              </a:schemeClr>
+            </a:gs>
+            <a:gs pos="100000">
+              <a:schemeClr val="phClr">
+                <a:lumMod val="105000"/>
+                <a:satMod val="109000"/>
+                <a:tint val="81000"/>
+              </a:schemeClr>
+            </a:gs>
+          </a:gsLst>
+          <a:lin ang="5400000" scaled="0"/>
+        </a:gradFill>
+        <a:gradFill rotWithShape="1">
+          <a:gsLst>
+            <a:gs pos="0">
+              <a:schemeClr val="phClr">
+                <a:satMod val="103000"/>
+                <a:lumMod val="102000"/>
+                <a:tint val="94000"/>
+              </a:schemeClr>
+            </a:gs>
+            <a:gs pos="50000">
+              <a:schemeClr val="phClr">
+                <a:satMod val="110000"/>
+                <a:lumMod val="100000"/>
+                <a:shade val="100000"/>
+              </a:schemeClr>
+            </a:gs>
+            <a:gs pos="100000">
+              <a:schemeClr val="phClr">
+                <a:lumMod val="99000"/>
+                <a:satMod val="120000"/>
+                <a:shade val="78000"/>
+              </a:schemeClr>
+            </a:gs>
+          </a:gsLst>
+          <a:lin ang="5400000" scaled="0"/>
+        </a:gradFill>
+      </a:fillStyleLst>
+      <a:lnStyleLst>
+        <a:ln w="12700" cap="flat" cmpd="sng" algn="ctr">
+          <a:solidFill>
+            <a:schemeClr val="phClr"/>
+          </a:solidFill>
+          <a:prstDash val="solid"/>
+          <a:miter lim="800000"/>
+        </a:ln>
+        <a:ln w="19050" cap="flat" cmpd="sng" algn="ctr">
+          <a:solidFill>
+            <a:schemeClr val="phClr"/>
+          </a:solidFill>
+          <a:prstDash val="solid"/>
+          <a:miter lim="800000"/>
+        </a:ln>
+        <a:ln w="25400" cap="flat" cmpd="sng" algn="ctr">
+          <a:solidFill>
+            <a:schemeClr val="phClr"/>
+          </a:solidFill>
+          <a:prstDash val="solid"/>
+          <a:miter lim="800000"/>
+        </a:ln>
+      </a:lnStyleLst>
+      <a:effectStyleLst>
+        <a:effectStyle>
+          <a:effectLst/>
+        </a:effectStyle>
+        <a:effectStyle>
+          <a:effectLst/>
+        </a:effectStyle>
+        <a:effectStyle>
+          <a:effectLst>
+            <a:outerShdw blurRad="57150" dist="19050" dir="5400000" algn="ctr" rotWithShape="0">
+              <a:srgbClr val="000000">
+                <a:alpha val="63000"/>
+              </a:srgbClr>
+            </a:outerShdw>
+          </a:effectLst>
+        </a:effectStyle>
+      </a:effectStyleLst>
+      <a:bgFillStyleLst>
+        <a:solidFill>
+          <a:schemeClr val="phClr"/>
+        </a:solidFill>
+        <a:solidFill>
+          <a:schemeClr val="phClr">
+            <a:tint val="95000"/>
+            <a:satMod val="170000"/>
+          </a:schemeClr>
+        </a:solidFill>
+        <a:gradFill rotWithShape="1">
+          <a:gsLst>
+            <a:gs pos="0">
+              <a:schemeClr val="phClr">
+                <a:tint val="93000"/>
+                <a:satMod val="150000"/>
+                <a:shade val="98000"/>
+                <a:lumMod val="102000"/>
+              </a:schemeClr>
+            </a:gs>
+            <a:gs pos="50000">
+              <a:schemeClr val="phClr">
+                <a:tint val="98000"/>
+                <a:satMod val="130000"/>
+                <a:shade val="90000"/>
+                <a:lumMod val="103000"/>
+              </a:schemeClr>
+            </a:gs>
+            <a:gs pos="100000">
+              <a:schemeClr val="phClr">
+                <a:shade val="63000"/>
+                <a:satMod val="120000"/>
+              </a:schemeClr>
+            </a:gs>
+          </a:gsLst>
+          <a:lin ang="5400000" scaled="0"/>
+        </a:gradFill>
+      </a:bgFillStyleLst>
+    </a:fmtScheme>
+  </a:themeElements>
+  <a:objectDefaults>
+    <a:lnDef>
+      <a:spPr/>
+      <a:bodyPr/>
+      <a:lstStyle/>
+      <a:style>
+        <a:lnRef idx="2">
+          <a:schemeClr val="accent1"/>
+        </a:lnRef>
+        <a:fillRef idx="0">
+          <a:schemeClr val="accent1"/>
+        </a:fillRef>
+        <a:effectRef idx="1">
+          <a:schemeClr val="accent1"/>
+        </a:effectRef>
+        <a:fontRef idx="minor">
+          <a:schemeClr val="tx1"/>
+        </a:fontRef>
+      </a:style>
+    </a:lnDef>
+  </a:objectDefaults>
+  <a:extraClrSchemeLst/>
+  <a:extLst>
+    <a:ext uri="{05A4C25C-085E-4340-85A3-A5531E510DB2}">
+      <thm15:themeFamily xmlns:thm15="http://schemas.microsoft.com/office/thememl/2012/main" name="Office Theme" id="{2E142A2C-CD16-42D6-873A-C26D2A0506FA}" vid="{1BDDFF52-6CD6-40A5-AB3C-68EB2F1E4D0A}"/>
+    </a:ext>
+  </a:extLst>
+</a:theme>
 </file>